--- a/E-Banking_[Rana Jaafar 97456]_[Fatima Baher 98683]_[Mohammad Darsa 97757]_[Mohammad Makke 99243].pptx
+++ b/E-Banking_[Rana Jaafar 97456]_[Fatima Baher 98683]_[Mohammad Darsa 97757]_[Mohammad Makke 99243].pptx
@@ -5,7 +5,7 @@
     <p:sldMasterId id="2147483648" r:id="rId4"/>
   </p:sldMasterIdLst>
   <p:notesMasterIdLst>
-    <p:notesMasterId r:id="rId20"/>
+    <p:notesMasterId r:id="rId21"/>
   </p:notesMasterIdLst>
   <p:sldIdLst>
     <p:sldId id="256" r:id="rId5"/>
@@ -17,12 +17,13 @@
     <p:sldId id="263" r:id="rId11"/>
     <p:sldId id="264" r:id="rId12"/>
     <p:sldId id="265" r:id="rId13"/>
-    <p:sldId id="266" r:id="rId14"/>
-    <p:sldId id="267" r:id="rId15"/>
-    <p:sldId id="268" r:id="rId16"/>
-    <p:sldId id="269" r:id="rId17"/>
-    <p:sldId id="270" r:id="rId18"/>
-    <p:sldId id="261" r:id="rId19"/>
+    <p:sldId id="273" r:id="rId14"/>
+    <p:sldId id="266" r:id="rId15"/>
+    <p:sldId id="267" r:id="rId16"/>
+    <p:sldId id="268" r:id="rId17"/>
+    <p:sldId id="269" r:id="rId18"/>
+    <p:sldId id="270" r:id="rId19"/>
+    <p:sldId id="261" r:id="rId20"/>
   </p:sldIdLst>
   <p:sldSz cx="12192000" cy="6858000"/>
   <p:notesSz cx="6858000" cy="9144000"/>
@@ -2326,47 +2327,6 @@
         </a:p>
       </dgm:t>
     </dgm:pt>
-    <dgm:pt modelId="{F86E086F-AA90-4B7E-8F47-A4F901F3F77B}">
-      <dgm:prSet/>
-      <dgm:spPr/>
-      <dgm:t>
-        <a:bodyPr/>
-        <a:lstStyle/>
-        <a:p>
-          <a:r>
-            <a:rPr lang="en-US" dirty="0" smtClean="0"/>
-            <a:t>The user can use his card to deposit and </a:t>
-          </a:r>
-          <a:r>
-            <a:rPr lang="en-US" dirty="0" err="1" smtClean="0"/>
-            <a:t>cashout</a:t>
-          </a:r>
-          <a:endParaRPr lang="en-US" dirty="0"/>
-        </a:p>
-      </dgm:t>
-    </dgm:pt>
-    <dgm:pt modelId="{C7279A9F-F9C8-45DA-A941-DBAABD57DCD0}" type="parTrans" cxnId="{A6E35338-93B2-4212-AA47-49260ED0B544}">
-      <dgm:prSet/>
-      <dgm:spPr/>
-      <dgm:t>
-        <a:bodyPr/>
-        <a:lstStyle/>
-        <a:p>
-          <a:endParaRPr lang="en-US"/>
-        </a:p>
-      </dgm:t>
-    </dgm:pt>
-    <dgm:pt modelId="{97127139-8627-41E0-92EC-C29E6C2BCC36}" type="sibTrans" cxnId="{A6E35338-93B2-4212-AA47-49260ED0B544}">
-      <dgm:prSet/>
-      <dgm:spPr/>
-      <dgm:t>
-        <a:bodyPr/>
-        <a:lstStyle/>
-        <a:p>
-          <a:endParaRPr lang="en-US"/>
-        </a:p>
-      </dgm:t>
-    </dgm:pt>
     <dgm:pt modelId="{D3F1CF08-95CD-4E3B-9497-37E622FA02ED}" type="pres">
       <dgm:prSet presAssocID="{622C2147-25D1-42B5-AB44-BE0E1BE8BEB9}" presName="linearFlow" presStyleCnt="0">
         <dgm:presLayoutVars>
@@ -2549,15 +2509,13 @@
     <dgm:cxn modelId="{ED675984-0DBB-40C0-A955-E63C94A71F1C}" srcId="{622C2147-25D1-42B5-AB44-BE0E1BE8BEB9}" destId="{4135E504-77B6-405A-BFF6-1DEBB24CFB2B}" srcOrd="3" destOrd="0" parTransId="{BE7727DD-DD4C-4B40-8C76-4183B1CF10B0}" sibTransId="{E76436C8-F4CE-4882-976E-B0D3C9649B16}"/>
     <dgm:cxn modelId="{00E52627-ECB0-440D-8031-E830FDE5ABD5}" type="presOf" srcId="{C3B0AE2A-50FD-4D52-826B-EA720B3A67A3}" destId="{AD6127B6-CF43-4733-8A42-1DEFF4B1CA91}" srcOrd="0" destOrd="0" presId="urn:microsoft.com/office/officeart/2005/8/layout/chevron2"/>
     <dgm:cxn modelId="{CC38A5FE-C732-467D-8667-4C61FD4E5F5E}" srcId="{D6E52D91-4DB5-44E7-9D16-C8AF7BA02D21}" destId="{259B9050-F767-4E00-BD10-3075EA4E103F}" srcOrd="1" destOrd="0" parTransId="{1EA145BD-414A-424A-A8B0-957381ABEA87}" sibTransId="{F40E0D3C-BA6F-44F1-A1D2-91F5E3796BF9}"/>
-    <dgm:cxn modelId="{EE18BF93-49C5-448E-A26E-EDA5000EBBA7}" type="presOf" srcId="{F86E086F-AA90-4B7E-8F47-A4F901F3F77B}" destId="{3A6A9467-3ED1-40C5-A8D6-8E79DAA9468C}" srcOrd="0" destOrd="1" presId="urn:microsoft.com/office/officeart/2005/8/layout/chevron2"/>
     <dgm:cxn modelId="{8826D762-C1EB-487A-8D0E-C7087C4747B8}" type="presOf" srcId="{7E71E0F4-499C-409B-A182-DE4B0BB07E1C}" destId="{733299ED-0C32-45C8-9C03-359F29ADA7F1}" srcOrd="0" destOrd="0" presId="urn:microsoft.com/office/officeart/2005/8/layout/chevron2"/>
     <dgm:cxn modelId="{3A1E2792-A7FA-419D-9CDB-3D4BCE2F6C19}" type="presOf" srcId="{0E5D63C8-C0C5-4F15-9A27-EBB74B2C9BBC}" destId="{EB9253CD-B6C1-4562-BAFB-C1DB72C198A6}" srcOrd="0" destOrd="0" presId="urn:microsoft.com/office/officeart/2005/8/layout/chevron2"/>
+    <dgm:cxn modelId="{71294683-F2C7-40CF-92F2-FF3B3A16B142}" type="presOf" srcId="{9A237AEA-ABDB-40BE-98B0-9F58133ACAD5}" destId="{CFDAAE22-2755-41FB-93ED-0CDA05789E57}" srcOrd="0" destOrd="1" presId="urn:microsoft.com/office/officeart/2005/8/layout/chevron2"/>
+    <dgm:cxn modelId="{AC5418A7-587E-46AA-A3DD-E28D26787CA4}" srcId="{0E5D63C8-C0C5-4F15-9A27-EBB74B2C9BBC}" destId="{BC84137C-E5EB-4141-A69A-953710902110}" srcOrd="1" destOrd="0" parTransId="{A7366E06-DE77-4484-8D4B-197E22FC69A3}" sibTransId="{6FE3CC9D-E087-4DA0-8F9B-F22027E251B2}"/>
     <dgm:cxn modelId="{81FB0FFF-E2AE-483F-A2DB-CB31B5CB6DFF}" srcId="{622C2147-25D1-42B5-AB44-BE0E1BE8BEB9}" destId="{7E71E0F4-499C-409B-A182-DE4B0BB07E1C}" srcOrd="2" destOrd="0" parTransId="{E6321CBC-5404-486B-800A-FAA79F16F004}" sibTransId="{F1FF7981-FB05-4614-A23A-EB54BF892F0E}"/>
-    <dgm:cxn modelId="{AC5418A7-587E-46AA-A3DD-E28D26787CA4}" srcId="{0E5D63C8-C0C5-4F15-9A27-EBB74B2C9BBC}" destId="{BC84137C-E5EB-4141-A69A-953710902110}" srcOrd="1" destOrd="0" parTransId="{A7366E06-DE77-4484-8D4B-197E22FC69A3}" sibTransId="{6FE3CC9D-E087-4DA0-8F9B-F22027E251B2}"/>
-    <dgm:cxn modelId="{71294683-F2C7-40CF-92F2-FF3B3A16B142}" type="presOf" srcId="{9A237AEA-ABDB-40BE-98B0-9F58133ACAD5}" destId="{CFDAAE22-2755-41FB-93ED-0CDA05789E57}" srcOrd="0" destOrd="1" presId="urn:microsoft.com/office/officeart/2005/8/layout/chevron2"/>
     <dgm:cxn modelId="{39EDCEF7-3690-4706-A4AB-ECAD5792477C}" srcId="{7E71E0F4-499C-409B-A182-DE4B0BB07E1C}" destId="{72A508A4-E19E-4D8D-B200-73465329F35F}" srcOrd="0" destOrd="0" parTransId="{B5536EC5-176F-4E49-B8F5-A80844EA2916}" sibTransId="{DACE5B84-1887-4807-9CC5-A80A55F31406}"/>
     <dgm:cxn modelId="{4E078196-A684-4C03-8504-F835D58E2EF1}" srcId="{D6E52D91-4DB5-44E7-9D16-C8AF7BA02D21}" destId="{C3B0AE2A-50FD-4D52-826B-EA720B3A67A3}" srcOrd="0" destOrd="0" parTransId="{E4CB3B6F-2D04-4164-9F99-26F587968D75}" sibTransId="{E06487F5-A91E-47E3-9333-B7CB6EF9ECB7}"/>
-    <dgm:cxn modelId="{A6E35338-93B2-4212-AA47-49260ED0B544}" srcId="{4135E504-77B6-405A-BFF6-1DEBB24CFB2B}" destId="{F86E086F-AA90-4B7E-8F47-A4F901F3F77B}" srcOrd="1" destOrd="0" parTransId="{C7279A9F-F9C8-45DA-A941-DBAABD57DCD0}" sibTransId="{97127139-8627-41E0-92EC-C29E6C2BCC36}"/>
     <dgm:cxn modelId="{0763C2A3-9CED-41AF-BCF5-278FEDA5D937}" srcId="{0E5D63C8-C0C5-4F15-9A27-EBB74B2C9BBC}" destId="{1259AA15-D2A3-49A0-97E3-6B0DCA945F84}" srcOrd="0" destOrd="0" parTransId="{104D5D3F-41DB-4F82-B3F7-2C287B935023}" sibTransId="{CA98C0EA-33A2-4FBB-8779-4A9CFAB2BF43}"/>
     <dgm:cxn modelId="{F8E7CCA5-DD1D-4D4F-B99B-7FEBE775ACAC}" type="presOf" srcId="{1259AA15-D2A3-49A0-97E3-6B0DCA945F84}" destId="{3FAAA2BE-D3D6-46BD-BDDE-E2AF76261419}" srcOrd="0" destOrd="0" presId="urn:microsoft.com/office/officeart/2005/8/layout/chevron2"/>
     <dgm:cxn modelId="{07A45DB2-9031-49AB-B153-F6A13D083C9D}" srcId="{622C2147-25D1-42B5-AB44-BE0E1BE8BEB9}" destId="{D6E52D91-4DB5-44E7-9D16-C8AF7BA02D21}" srcOrd="0" destOrd="0" parTransId="{8E1A7A68-9E79-46FC-8DA3-6BBD95334996}" sibTransId="{34D26DC2-74A3-4EE9-A03D-C4E283F67FF5}"/>
@@ -3651,29 +3609,6 @@
           <a:r>
             <a:rPr lang="en-US" sz="1300" kern="1200" dirty="0" smtClean="0"/>
             <a:t>The user can add a card that is connect to a bank account</a:t>
-          </a:r>
-          <a:endParaRPr lang="en-US" sz="1300" kern="1200" dirty="0"/>
-        </a:p>
-        <a:p>
-          <a:pPr marL="114300" lvl="1" indent="-114300" algn="l" defTabSz="577850">
-            <a:lnSpc>
-              <a:spcPct val="90000"/>
-            </a:lnSpc>
-            <a:spcBef>
-              <a:spcPct val="0"/>
-            </a:spcBef>
-            <a:spcAft>
-              <a:spcPct val="15000"/>
-            </a:spcAft>
-            <a:buChar char="••"/>
-          </a:pPr>
-          <a:r>
-            <a:rPr lang="en-US" sz="1300" kern="1200" dirty="0" smtClean="0"/>
-            <a:t>The user can use his card to deposit and </a:t>
-          </a:r>
-          <a:r>
-            <a:rPr lang="en-US" sz="1300" kern="1200" dirty="0" err="1" smtClean="0"/>
-            <a:t>cashout</a:t>
           </a:r>
           <a:endParaRPr lang="en-US" sz="1300" kern="1200" dirty="0"/>
         </a:p>
@@ -7738,7 +7673,7 @@
           <a:p>
             <a:fld id="{EDE0A0D5-8F98-4CC1-A28E-021F0B6B475C}" type="datetimeFigureOut">
               <a:rPr lang="en-US" smtClean="0"/>
-              <a:t>2/23/2023</a:t>
+              <a:t>2/24/2023</a:t>
             </a:fld>
             <a:endParaRPr lang="en-US" dirty="0"/>
           </a:p>
@@ -8175,7 +8110,7 @@
           <a:p>
             <a:fld id="{6CFAD21B-54D1-4E79-A2BB-4747C2A7EF87}" type="datetime1">
               <a:rPr lang="en-US" smtClean="0"/>
-              <a:t>2/23/2023</a:t>
+              <a:t>2/24/2023</a:t>
             </a:fld>
             <a:endParaRPr lang="en-US" dirty="0"/>
           </a:p>
@@ -8441,7 +8376,7 @@
           <a:p>
             <a:fld id="{CD54DBC5-E8A7-49D8-A01C-F5F6DBF3A6A0}" type="datetime1">
               <a:rPr lang="en-US" smtClean="0"/>
-              <a:t>2/23/2023</a:t>
+              <a:t>2/24/2023</a:t>
             </a:fld>
             <a:endParaRPr lang="en-US" dirty="0"/>
           </a:p>
@@ -8671,7 +8606,7 @@
           <a:p>
             <a:fld id="{52CF021E-DBB9-4903-ACDC-5A9F80E8E412}" type="datetime1">
               <a:rPr lang="en-US" smtClean="0"/>
-              <a:t>2/23/2023</a:t>
+              <a:t>2/24/2023</a:t>
             </a:fld>
             <a:endParaRPr lang="en-US" dirty="0"/>
           </a:p>
@@ -8980,7 +8915,7 @@
           <a:p>
             <a:fld id="{839D9AD2-A0B6-467E-A084-D78439B25A43}" type="datetime1">
               <a:rPr lang="en-US" smtClean="0"/>
-              <a:t>2/23/2023</a:t>
+              <a:t>2/24/2023</a:t>
             </a:fld>
             <a:endParaRPr lang="en-US" dirty="0"/>
           </a:p>
@@ -9452,7 +9387,7 @@
           <a:p>
             <a:fld id="{065032BE-06F3-497E-9E14-ACEF57C104FC}" type="datetime1">
               <a:rPr lang="en-US" smtClean="0"/>
-              <a:t>2/23/2023</a:t>
+              <a:t>2/24/2023</a:t>
             </a:fld>
             <a:endParaRPr lang="en-US" dirty="0"/>
           </a:p>
@@ -9998,7 +9933,7 @@
           <a:p>
             <a:fld id="{E9F7268C-ED63-4745-A07F-8BCEE9D36E5E}" type="datetime1">
               <a:rPr lang="en-US" smtClean="0"/>
-              <a:t>2/23/2023</a:t>
+              <a:t>2/24/2023</a:t>
             </a:fld>
             <a:endParaRPr lang="en-US" dirty="0"/>
           </a:p>
@@ -10771,7 +10706,7 @@
           <a:p>
             <a:fld id="{A22FB0E3-18F7-4ABD-BE34-9A4E1F7FB0D0}" type="datetime1">
               <a:rPr lang="en-US" smtClean="0"/>
-              <a:t>2/23/2023</a:t>
+              <a:t>2/24/2023</a:t>
             </a:fld>
             <a:endParaRPr lang="en-US" dirty="0"/>
           </a:p>
@@ -10945,7 +10880,7 @@
           <a:p>
             <a:fld id="{7CE5DE8C-49D3-444D-8B4F-1AC663518B3F}" type="datetime1">
               <a:rPr lang="en-US" smtClean="0"/>
-              <a:t>2/23/2023</a:t>
+              <a:t>2/24/2023</a:t>
             </a:fld>
             <a:endParaRPr lang="en-US" dirty="0"/>
           </a:p>
@@ -11167,7 +11102,7 @@
           <a:p>
             <a:fld id="{EF580E33-6FDF-4F43-969D-1794A2FDE502}" type="datetime1">
               <a:rPr lang="en-US" smtClean="0"/>
-              <a:t>2/23/2023</a:t>
+              <a:t>2/24/2023</a:t>
             </a:fld>
             <a:endParaRPr lang="en-US" dirty="0"/>
           </a:p>
@@ -11346,7 +11281,7 @@
           <a:p>
             <a:fld id="{8426537D-B0A0-4F24-9B91-2A2EB54E1E9E}" type="datetime1">
               <a:rPr lang="en-US" smtClean="0"/>
-              <a:t>2/23/2023</a:t>
+              <a:t>2/24/2023</a:t>
             </a:fld>
             <a:endParaRPr lang="en-US" dirty="0"/>
           </a:p>
@@ -11634,7 +11569,7 @@
           <a:p>
             <a:fld id="{35F7DAE9-C4B3-400B-BAC3-5723C11AD53B}" type="datetime1">
               <a:rPr lang="en-US" smtClean="0"/>
-              <a:t>2/23/2023</a:t>
+              <a:t>2/24/2023</a:t>
             </a:fld>
             <a:endParaRPr lang="en-US" dirty="0"/>
           </a:p>
@@ -11875,7 +11810,7 @@
           <a:p>
             <a:fld id="{6CEF13DD-D591-4CF7-8F26-C1ACD96D4275}" type="datetime1">
               <a:rPr lang="en-US" smtClean="0"/>
-              <a:t>2/23/2023</a:t>
+              <a:t>2/24/2023</a:t>
             </a:fld>
             <a:endParaRPr lang="en-US" dirty="0"/>
           </a:p>
@@ -12253,7 +12188,7 @@
           <a:p>
             <a:fld id="{52EC0C88-A107-4977-9566-C5D56B5563A8}" type="datetime1">
               <a:rPr lang="en-US" smtClean="0"/>
-              <a:t>2/23/2023</a:t>
+              <a:t>2/24/2023</a:t>
             </a:fld>
             <a:endParaRPr lang="en-US" dirty="0"/>
           </a:p>
@@ -12370,7 +12305,7 @@
           <a:p>
             <a:fld id="{F9F81B62-1EDF-4506-A977-3F3484B89FCE}" type="datetime1">
               <a:rPr lang="en-US" smtClean="0"/>
-              <a:t>2/23/2023</a:t>
+              <a:t>2/24/2023</a:t>
             </a:fld>
             <a:endParaRPr lang="en-US" dirty="0"/>
           </a:p>
@@ -12464,7 +12399,7 @@
           <a:p>
             <a:fld id="{36309B79-BBBF-40D8-AE56-856C8B64A8C0}" type="datetime1">
               <a:rPr lang="en-US" smtClean="0"/>
-              <a:t>2/23/2023</a:t>
+              <a:t>2/24/2023</a:t>
             </a:fld>
             <a:endParaRPr lang="en-US" dirty="0"/>
           </a:p>
@@ -12712,7 +12647,7 @@
           <a:p>
             <a:fld id="{4F6CFD03-A766-477A-B5A4-33908A68AC1F}" type="datetime1">
               <a:rPr lang="en-US" smtClean="0"/>
-              <a:t>2/23/2023</a:t>
+              <a:t>2/24/2023</a:t>
             </a:fld>
             <a:endParaRPr lang="en-US" dirty="0"/>
           </a:p>
@@ -12968,7 +12903,7 @@
           <a:p>
             <a:fld id="{BA9543F1-B423-45B6-BF15-5D453C0E4FBA}" type="datetime1">
               <a:rPr lang="en-US" smtClean="0"/>
-              <a:t>2/23/2023</a:t>
+              <a:t>2/24/2023</a:t>
             </a:fld>
             <a:endParaRPr lang="en-US" dirty="0"/>
           </a:p>
@@ -13210,7 +13145,7 @@
           <a:p>
             <a:fld id="{13898A7C-0FDD-4C7A-8EF9-35B9FE0D78C1}" type="datetime1">
               <a:rPr lang="en-US" smtClean="0"/>
-              <a:t>2/23/2023</a:t>
+              <a:t>2/24/2023</a:t>
             </a:fld>
             <a:endParaRPr lang="en-US" dirty="0"/>
           </a:p>
@@ -13635,7 +13570,7 @@
                 <a16:creationId xmlns:a16="http://schemas.microsoft.com/office/drawing/2014/main" id="{50496C6C-A85F-426B-9ED1-3444166CE4E1}"/>
               </a:ext>
               <a:ext uri="{C183D7F6-B498-43B3-948B-1728B52AA6E4}">
-                <adec:decorative xmlns:adec="http://schemas.microsoft.com/office/drawing/2017/decorative" xmlns="" val="1"/>
+                <adec:decorative xmlns="" xmlns:adec="http://schemas.microsoft.com/office/drawing/2017/decorative" val="1"/>
               </a:ext>
             </a:extLst>
           </p:cNvPr>
@@ -13732,7 +13667,7 @@
                 <a16:creationId xmlns:a16="http://schemas.microsoft.com/office/drawing/2014/main" id="{AD0EF22F-5D3C-4240-8C32-1B20803E5A89}"/>
               </a:ext>
               <a:ext uri="{C183D7F6-B498-43B3-948B-1728B52AA6E4}">
-                <adec:decorative xmlns:adec="http://schemas.microsoft.com/office/drawing/2017/decorative" xmlns="" val="1"/>
+                <adec:decorative xmlns="" xmlns:adec="http://schemas.microsoft.com/office/drawing/2017/decorative" val="1"/>
               </a:ext>
             </a:extLst>
           </p:cNvPr>
@@ -13824,7 +13759,7 @@
                 <a16:creationId xmlns:a16="http://schemas.microsoft.com/office/drawing/2014/main" id="{D912EF34-0253-41FD-9940-D8FBB7DE74B1}"/>
               </a:ext>
               <a:ext uri="{C183D7F6-B498-43B3-948B-1728B52AA6E4}">
-                <adec:decorative xmlns:adec="http://schemas.microsoft.com/office/drawing/2017/decorative" xmlns="" val="1"/>
+                <adec:decorative xmlns="" xmlns:adec="http://schemas.microsoft.com/office/drawing/2017/decorative" val="1"/>
               </a:ext>
             </a:extLst>
           </p:cNvPr>
@@ -14334,6 +14269,514 @@
                   <a:schemeClr val="bg1"/>
                 </a:solidFill>
               </a:rPr>
+              <a:t>Design Pattern</a:t>
+            </a:r>
+            <a:endParaRPr lang="en-US" sz="4000" dirty="0">
+              <a:solidFill>
+                <a:schemeClr val="bg1"/>
+              </a:solidFill>
+            </a:endParaRPr>
+          </a:p>
+        </p:txBody>
+      </p:sp>
+      <p:sp>
+        <p:nvSpPr>
+          <p:cNvPr id="5" name="Shape 59"/>
+          <p:cNvSpPr/>
+          <p:nvPr/>
+        </p:nvSpPr>
+        <p:spPr>
+          <a:xfrm flipV="1">
+            <a:off x="763056" y="1862668"/>
+            <a:ext cx="1359255" cy="111974"/>
+          </a:xfrm>
+          <a:custGeom>
+            <a:avLst/>
+            <a:gdLst/>
+            <a:ahLst/>
+            <a:cxnLst/>
+            <a:rect l="0" t="0" r="0" b="0"/>
+            <a:pathLst>
+              <a:path w="3181350">
+                <a:moveTo>
+                  <a:pt x="0" y="0"/>
+                </a:moveTo>
+                <a:lnTo>
+                  <a:pt x="3181350" y="0"/>
+                </a:lnTo>
+              </a:path>
+            </a:pathLst>
+          </a:custGeom>
+          <a:ln/>
+        </p:spPr>
+        <p:style>
+          <a:lnRef idx="1">
+            <a:schemeClr val="dk1"/>
+          </a:lnRef>
+          <a:fillRef idx="0">
+            <a:schemeClr val="dk1"/>
+          </a:fillRef>
+          <a:effectRef idx="0">
+            <a:schemeClr val="dk1"/>
+          </a:effectRef>
+          <a:fontRef idx="minor">
+            <a:schemeClr val="tx1"/>
+          </a:fontRef>
+        </p:style>
+        <p:txBody>
+          <a:bodyPr/>
+          <a:lstStyle/>
+          <a:p>
+            <a:endParaRPr lang="en-US"/>
+          </a:p>
+        </p:txBody>
+      </p:sp>
+      <p:sp>
+        <p:nvSpPr>
+          <p:cNvPr id="6" name="TextBox 5"/>
+          <p:cNvSpPr txBox="1"/>
+          <p:nvPr/>
+        </p:nvSpPr>
+        <p:spPr>
+          <a:xfrm>
+            <a:off x="711200" y="1501422"/>
+            <a:ext cx="2201333" cy="461665"/>
+          </a:xfrm>
+          <a:prstGeom prst="rect">
+            <a:avLst/>
+          </a:prstGeom>
+          <a:noFill/>
+        </p:spPr>
+        <p:txBody>
+          <a:bodyPr wrap="square" rtlCol="0">
+            <a:spAutoFit/>
+          </a:bodyPr>
+          <a:lstStyle/>
+          <a:p>
+            <a:r>
+              <a:rPr lang="en-US" sz="2400" dirty="0" smtClean="0">
+                <a:solidFill>
+                  <a:schemeClr val="bg1"/>
+                </a:solidFill>
+                <a:latin typeface="Agency FB" panose="020B0503020202020204" pitchFamily="34" charset="0"/>
+              </a:rPr>
+              <a:t>Observer</a:t>
+            </a:r>
+            <a:endParaRPr lang="en-US" sz="2400" dirty="0">
+              <a:latin typeface="Agency FB" panose="020B0503020202020204" pitchFamily="34" charset="0"/>
+            </a:endParaRPr>
+          </a:p>
+        </p:txBody>
+      </p:sp>
+      <p:sp>
+        <p:nvSpPr>
+          <p:cNvPr id="8" name="Shape 59"/>
+          <p:cNvSpPr/>
+          <p:nvPr/>
+        </p:nvSpPr>
+        <p:spPr>
+          <a:xfrm>
+            <a:off x="695325" y="1259258"/>
+            <a:ext cx="10723386" cy="82161"/>
+          </a:xfrm>
+          <a:custGeom>
+            <a:avLst/>
+            <a:gdLst/>
+            <a:ahLst/>
+            <a:cxnLst/>
+            <a:rect l="0" t="0" r="0" b="0"/>
+            <a:pathLst>
+              <a:path w="3181350">
+                <a:moveTo>
+                  <a:pt x="0" y="0"/>
+                </a:moveTo>
+                <a:lnTo>
+                  <a:pt x="3181350" y="0"/>
+                </a:lnTo>
+              </a:path>
+            </a:pathLst>
+          </a:custGeom>
+          <a:ln/>
+        </p:spPr>
+        <p:style>
+          <a:lnRef idx="1">
+            <a:schemeClr val="dk1"/>
+          </a:lnRef>
+          <a:fillRef idx="0">
+            <a:schemeClr val="dk1"/>
+          </a:fillRef>
+          <a:effectRef idx="0">
+            <a:schemeClr val="dk1"/>
+          </a:effectRef>
+          <a:fontRef idx="minor">
+            <a:schemeClr val="tx1"/>
+          </a:fontRef>
+        </p:style>
+        <p:txBody>
+          <a:bodyPr/>
+          <a:lstStyle/>
+          <a:p>
+            <a:endParaRPr lang="en-US"/>
+          </a:p>
+        </p:txBody>
+      </p:sp>
+      <p:sp>
+        <p:nvSpPr>
+          <p:cNvPr id="11" name="TextBox 10"/>
+          <p:cNvSpPr txBox="1"/>
+          <p:nvPr/>
+        </p:nvSpPr>
+        <p:spPr>
+          <a:xfrm>
+            <a:off x="961386" y="2097050"/>
+            <a:ext cx="3438524" cy="369332"/>
+          </a:xfrm>
+          <a:prstGeom prst="rect">
+            <a:avLst/>
+          </a:prstGeom>
+          <a:noFill/>
+        </p:spPr>
+        <p:txBody>
+          <a:bodyPr wrap="square" rtlCol="0">
+            <a:spAutoFit/>
+          </a:bodyPr>
+          <a:lstStyle/>
+          <a:p>
+            <a:r>
+              <a:rPr lang="en-US" dirty="0" smtClean="0">
+                <a:solidFill>
+                  <a:schemeClr val="bg1"/>
+                </a:solidFill>
+              </a:rPr>
+              <a:t>Example:</a:t>
+            </a:r>
+            <a:endParaRPr lang="en-US" dirty="0">
+              <a:solidFill>
+                <a:schemeClr val="bg1"/>
+              </a:solidFill>
+            </a:endParaRPr>
+          </a:p>
+        </p:txBody>
+      </p:sp>
+      <p:sp>
+        <p:nvSpPr>
+          <p:cNvPr id="14" name="Rectangle 13"/>
+          <p:cNvSpPr/>
+          <p:nvPr/>
+        </p:nvSpPr>
+        <p:spPr>
+          <a:xfrm>
+            <a:off x="1163814" y="2464478"/>
+            <a:ext cx="6096000" cy="923330"/>
+          </a:xfrm>
+          <a:prstGeom prst="rect">
+            <a:avLst/>
+          </a:prstGeom>
+        </p:spPr>
+        <p:txBody>
+          <a:bodyPr>
+            <a:spAutoFit/>
+          </a:bodyPr>
+          <a:lstStyle/>
+          <a:p>
+            <a:r>
+              <a:rPr lang="en-US" dirty="0" smtClean="0">
+                <a:solidFill>
+                  <a:srgbClr val="404040"/>
+                </a:solidFill>
+                <a:latin typeface="roboto" panose="02000000000000000000" pitchFamily="2" charset="0"/>
+              </a:rPr>
+              <a:t>The Observer observes when the balance of a user is below a certain threshold and creates a message to notify the user. An example is shown below:</a:t>
+            </a:r>
+            <a:endParaRPr lang="en-US" dirty="0"/>
+          </a:p>
+        </p:txBody>
+      </p:sp>
+      <p:sp>
+        <p:nvSpPr>
+          <p:cNvPr id="17" name="Rounded Rectangular Callout 16"/>
+          <p:cNvSpPr/>
+          <p:nvPr/>
+        </p:nvSpPr>
+        <p:spPr>
+          <a:xfrm>
+            <a:off x="8094133" y="1625600"/>
+            <a:ext cx="3070578" cy="1064820"/>
+          </a:xfrm>
+          <a:prstGeom prst="wedgeRoundRectCallout">
+            <a:avLst/>
+          </a:prstGeom>
+        </p:spPr>
+        <p:style>
+          <a:lnRef idx="2">
+            <a:schemeClr val="dk1"/>
+          </a:lnRef>
+          <a:fillRef idx="1">
+            <a:schemeClr val="lt1"/>
+          </a:fillRef>
+          <a:effectRef idx="0">
+            <a:schemeClr val="dk1"/>
+          </a:effectRef>
+          <a:fontRef idx="minor">
+            <a:schemeClr val="dk1"/>
+          </a:fontRef>
+        </p:style>
+        <p:txBody>
+          <a:bodyPr rtlCol="0" anchor="ctr"/>
+          <a:lstStyle/>
+          <a:p>
+            <a:pPr fontAlgn="base"/>
+            <a:r>
+              <a:rPr lang="en-US" dirty="0"/>
+              <a:t>The main advantage is the security of the original object.</a:t>
+            </a:r>
+          </a:p>
+        </p:txBody>
+      </p:sp>
+      <p:pic>
+        <p:nvPicPr>
+          <p:cNvPr id="7" name="Picture 6"/>
+          <p:cNvPicPr>
+            <a:picLocks noChangeAspect="1"/>
+          </p:cNvPicPr>
+          <p:nvPr/>
+        </p:nvPicPr>
+        <p:blipFill>
+          <a:blip r:embed="rId2">
+            <a:extLst>
+              <a:ext uri="{28A0092B-C50C-407E-A947-70E740481C1C}">
+                <a14:useLocalDpi xmlns:a14="http://schemas.microsoft.com/office/drawing/2010/main" val="0"/>
+              </a:ext>
+            </a:extLst>
+          </a:blip>
+          <a:stretch>
+            <a:fillRect/>
+          </a:stretch>
+        </p:blipFill>
+        <p:spPr>
+          <a:xfrm>
+            <a:off x="176808" y="3589441"/>
+            <a:ext cx="3107931" cy="2264912"/>
+          </a:xfrm>
+          <a:prstGeom prst="rect">
+            <a:avLst/>
+          </a:prstGeom>
+        </p:spPr>
+      </p:pic>
+      <p:pic>
+        <p:nvPicPr>
+          <p:cNvPr id="12" name="Picture 11"/>
+          <p:cNvPicPr>
+            <a:picLocks noChangeAspect="1"/>
+          </p:cNvPicPr>
+          <p:nvPr/>
+        </p:nvPicPr>
+        <p:blipFill>
+          <a:blip r:embed="rId3">
+            <a:extLst>
+              <a:ext uri="{28A0092B-C50C-407E-A947-70E740481C1C}">
+                <a14:useLocalDpi xmlns:a14="http://schemas.microsoft.com/office/drawing/2010/main" val="0"/>
+              </a:ext>
+            </a:extLst>
+          </a:blip>
+          <a:stretch>
+            <a:fillRect/>
+          </a:stretch>
+        </p:blipFill>
+        <p:spPr>
+          <a:xfrm>
+            <a:off x="3549504" y="3589441"/>
+            <a:ext cx="5342083" cy="1623201"/>
+          </a:xfrm>
+          <a:prstGeom prst="rect">
+            <a:avLst/>
+          </a:prstGeom>
+        </p:spPr>
+      </p:pic>
+      <p:pic>
+        <p:nvPicPr>
+          <p:cNvPr id="13" name="Picture 12"/>
+          <p:cNvPicPr>
+            <a:picLocks noChangeAspect="1"/>
+          </p:cNvPicPr>
+          <p:nvPr/>
+        </p:nvPicPr>
+        <p:blipFill>
+          <a:blip r:embed="rId4">
+            <a:extLst>
+              <a:ext uri="{28A0092B-C50C-407E-A947-70E740481C1C}">
+                <a14:useLocalDpi xmlns:a14="http://schemas.microsoft.com/office/drawing/2010/main" val="0"/>
+              </a:ext>
+            </a:extLst>
+          </a:blip>
+          <a:stretch>
+            <a:fillRect/>
+          </a:stretch>
+        </p:blipFill>
+        <p:spPr>
+          <a:xfrm>
+            <a:off x="9156352" y="3622208"/>
+            <a:ext cx="2522439" cy="1044030"/>
+          </a:xfrm>
+          <a:prstGeom prst="rect">
+            <a:avLst/>
+          </a:prstGeom>
+        </p:spPr>
+      </p:pic>
+    </p:spTree>
+    <p:extLst>
+      <p:ext uri="{BB962C8B-B14F-4D97-AF65-F5344CB8AC3E}">
+        <p14:creationId xmlns:p14="http://schemas.microsoft.com/office/powerpoint/2010/main" val="2933119769"/>
+      </p:ext>
+    </p:extLst>
+  </p:cSld>
+  <p:clrMapOvr>
+    <a:masterClrMapping/>
+  </p:clrMapOvr>
+  <p:timing>
+    <p:tnLst>
+      <p:par>
+        <p:cTn id="1" dur="indefinite" restart="never" nodeType="tmRoot"/>
+      </p:par>
+    </p:tnLst>
+  </p:timing>
+</p:sld>
+</file>
+
+<file path=ppt/slides/slide11.xml><?xml version="1.0" encoding="utf-8"?>
+<p:sld xmlns:a="http://schemas.openxmlformats.org/drawingml/2006/main" xmlns:r="http://schemas.openxmlformats.org/officeDocument/2006/relationships" xmlns:p="http://schemas.openxmlformats.org/presentationml/2006/main" showMasterSp="0">
+  <p:cSld>
+    <p:bg>
+      <p:bgPr>
+        <a:gradFill flip="none" rotWithShape="1">
+          <a:gsLst>
+            <a:gs pos="83000">
+              <a:schemeClr val="tx1"/>
+            </a:gs>
+            <a:gs pos="100000">
+              <a:schemeClr val="tx1"/>
+            </a:gs>
+          </a:gsLst>
+          <a:lin ang="5400000" scaled="1"/>
+          <a:tileRect/>
+        </a:gradFill>
+        <a:effectLst/>
+      </p:bgPr>
+    </p:bg>
+    <p:spTree>
+      <p:nvGrpSpPr>
+        <p:cNvPr id="1" name=""/>
+        <p:cNvGrpSpPr/>
+        <p:nvPr/>
+      </p:nvGrpSpPr>
+      <p:grpSpPr>
+        <a:xfrm>
+          <a:off x="0" y="0"/>
+          <a:ext cx="0" cy="0"/>
+          <a:chOff x="0" y="0"/>
+          <a:chExt cx="0" cy="0"/>
+        </a:xfrm>
+      </p:grpSpPr>
+      <p:sp>
+        <p:nvSpPr>
+          <p:cNvPr id="2" name="Footer Placeholder 1"/>
+          <p:cNvSpPr>
+            <a:spLocks noGrp="1"/>
+          </p:cNvSpPr>
+          <p:nvPr>
+            <p:ph type="ftr" sz="quarter" idx="11"/>
+          </p:nvPr>
+        </p:nvSpPr>
+        <p:spPr>
+          <a:xfrm>
+            <a:off x="1457324" y="6295520"/>
+            <a:ext cx="6400800" cy="365125"/>
+          </a:xfrm>
+        </p:spPr>
+        <p:txBody>
+          <a:bodyPr/>
+          <a:lstStyle/>
+          <a:p>
+            <a:r>
+              <a:rPr lang="en-US" smtClean="0">
+                <a:solidFill>
+                  <a:srgbClr val="ADADAD"/>
+                </a:solidFill>
+              </a:rPr>
+              <a:t>R.JAAFAR, F.BAHER, M.DARSA, M.MAKKEH, UL Faculty of Science | Digital Wallet</a:t>
+            </a:r>
+            <a:endParaRPr lang="en-US" dirty="0">
+              <a:solidFill>
+                <a:srgbClr val="ADADAD"/>
+              </a:solidFill>
+            </a:endParaRPr>
+          </a:p>
+        </p:txBody>
+      </p:sp>
+      <p:sp>
+        <p:nvSpPr>
+          <p:cNvPr id="3" name="Slide Number Placeholder 2"/>
+          <p:cNvSpPr>
+            <a:spLocks noGrp="1"/>
+          </p:cNvSpPr>
+          <p:nvPr>
+            <p:ph type="sldNum" sz="quarter" idx="12"/>
+          </p:nvPr>
+        </p:nvSpPr>
+        <p:spPr>
+          <a:xfrm>
+            <a:off x="8891587" y="6295519"/>
+            <a:ext cx="2743200" cy="365125"/>
+          </a:xfrm>
+        </p:spPr>
+        <p:txBody>
+          <a:bodyPr/>
+          <a:lstStyle/>
+          <a:p>
+            <a:fld id="{6D22F896-40B5-4ADD-8801-0D06FADFA095}" type="slidenum">
+              <a:rPr lang="en-US" smtClean="0">
+                <a:solidFill>
+                  <a:srgbClr val="ABABAB"/>
+                </a:solidFill>
+              </a:rPr>
+              <a:t>11</a:t>
+            </a:fld>
+            <a:endParaRPr lang="en-US" dirty="0">
+              <a:solidFill>
+                <a:srgbClr val="ABABAB"/>
+              </a:solidFill>
+            </a:endParaRPr>
+          </a:p>
+        </p:txBody>
+      </p:sp>
+      <p:sp>
+        <p:nvSpPr>
+          <p:cNvPr id="4" name="TextBox 3"/>
+          <p:cNvSpPr txBox="1"/>
+          <p:nvPr/>
+        </p:nvSpPr>
+        <p:spPr>
+          <a:xfrm>
+            <a:off x="4211814" y="353253"/>
+            <a:ext cx="6200775" cy="707886"/>
+          </a:xfrm>
+          <a:prstGeom prst="rect">
+            <a:avLst/>
+          </a:prstGeom>
+          <a:noFill/>
+        </p:spPr>
+        <p:txBody>
+          <a:bodyPr wrap="square" rtlCol="0">
+            <a:spAutoFit/>
+          </a:bodyPr>
+          <a:lstStyle/>
+          <a:p>
+            <a:r>
+              <a:rPr lang="en-US" sz="4000" dirty="0" smtClean="0">
+                <a:solidFill>
+                  <a:schemeClr val="bg1"/>
+                </a:solidFill>
+              </a:rPr>
               <a:t>Enumeration</a:t>
             </a:r>
             <a:endParaRPr lang="en-US" sz="4000" dirty="0">
@@ -15304,7 +15747,7 @@
 </p:sld>
 </file>
 
-<file path=ppt/slides/slide11.xml><?xml version="1.0" encoding="utf-8"?>
+<file path=ppt/slides/slide12.xml><?xml version="1.0" encoding="utf-8"?>
 <p:sld xmlns:a="http://schemas.openxmlformats.org/drawingml/2006/main" xmlns:r="http://schemas.openxmlformats.org/officeDocument/2006/relationships" xmlns:p="http://schemas.openxmlformats.org/presentationml/2006/main" showMasterSp="0">
   <p:cSld>
     <p:bg>
@@ -15400,7 +15843,7 @@
                   <a:srgbClr val="ABABAB"/>
                 </a:solidFill>
               </a:rPr>
-              <a:t>11</a:t>
+              <a:t>12</a:t>
             </a:fld>
             <a:endParaRPr lang="en-US" dirty="0">
               <a:solidFill>
@@ -18436,7 +18879,7 @@
 </p:sld>
 </file>
 
-<file path=ppt/slides/slide12.xml><?xml version="1.0" encoding="utf-8"?>
+<file path=ppt/slides/slide13.xml><?xml version="1.0" encoding="utf-8"?>
 <p:sld xmlns:a="http://schemas.openxmlformats.org/drawingml/2006/main" xmlns:r="http://schemas.openxmlformats.org/officeDocument/2006/relationships" xmlns:p="http://schemas.openxmlformats.org/presentationml/2006/main" showMasterSp="0">
   <p:cSld>
     <p:bg>
@@ -18531,7 +18974,7 @@
                   <a:srgbClr val="ABABAB"/>
                 </a:solidFill>
               </a:rPr>
-              <a:t>12</a:t>
+              <a:t>13</a:t>
             </a:fld>
             <a:endParaRPr lang="en-US" dirty="0">
               <a:solidFill>
@@ -20872,7 +21315,7 @@
 </p:sld>
 </file>
 
-<file path=ppt/slides/slide13.xml><?xml version="1.0" encoding="utf-8"?>
+<file path=ppt/slides/slide14.xml><?xml version="1.0" encoding="utf-8"?>
 <p:sld xmlns:a="http://schemas.openxmlformats.org/drawingml/2006/main" xmlns:r="http://schemas.openxmlformats.org/officeDocument/2006/relationships" xmlns:p="http://schemas.openxmlformats.org/presentationml/2006/main" showMasterSp="0">
   <p:cSld>
     <p:bg>
@@ -20967,7 +21410,7 @@
                   <a:srgbClr val="ABABAB"/>
                 </a:solidFill>
               </a:rPr>
-              <a:t>13</a:t>
+              <a:t>14</a:t>
             </a:fld>
             <a:endParaRPr lang="en-US" dirty="0">
               <a:solidFill>
@@ -22623,7 +23066,7 @@
 </p:sld>
 </file>
 
-<file path=ppt/slides/slide14.xml><?xml version="1.0" encoding="utf-8"?>
+<file path=ppt/slides/slide15.xml><?xml version="1.0" encoding="utf-8"?>
 <p:sld xmlns:a="http://schemas.openxmlformats.org/drawingml/2006/main" xmlns:r="http://schemas.openxmlformats.org/officeDocument/2006/relationships" xmlns:p="http://schemas.openxmlformats.org/presentationml/2006/main" showMasterSp="0">
   <p:cSld>
     <p:bg>
@@ -22718,7 +23161,7 @@
                   <a:srgbClr val="ABABAB"/>
                 </a:solidFill>
               </a:rPr>
-              <a:t>14</a:t>
+              <a:t>15</a:t>
             </a:fld>
             <a:endParaRPr lang="en-US" dirty="0">
               <a:solidFill>
@@ -25109,7 +25552,7 @@
 </p:sld>
 </file>
 
-<file path=ppt/slides/slide15.xml><?xml version="1.0" encoding="utf-8"?>
+<file path=ppt/slides/slide16.xml><?xml version="1.0" encoding="utf-8"?>
 <p:sld xmlns:a="http://schemas.openxmlformats.org/drawingml/2006/main" xmlns:r="http://schemas.openxmlformats.org/officeDocument/2006/relationships" xmlns:p="http://schemas.openxmlformats.org/presentationml/2006/main" showMasterSp="0">
   <p:cSld>
     <p:bg>
@@ -25205,7 +25648,7 @@
                   <a:srgbClr val="ABABAB"/>
                 </a:solidFill>
               </a:rPr>
-              <a:t>15</a:t>
+              <a:t>16</a:t>
             </a:fld>
             <a:endParaRPr lang="en-US" dirty="0">
               <a:solidFill>
@@ -25358,7 +25801,7 @@
                 <a16:creationId xmlns:a16="http://schemas.microsoft.com/office/drawing/2014/main" id="{A38A195E-584A-485A-BECD-66468900B947}"/>
               </a:ext>
               <a:ext uri="{C183D7F6-B498-43B3-948B-1728B52AA6E4}">
-                <adec:decorative xmlns:adec="http://schemas.microsoft.com/office/drawing/2017/decorative" xmlns="" val="1"/>
+                <adec:decorative xmlns="" xmlns:adec="http://schemas.microsoft.com/office/drawing/2017/decorative" val="1"/>
               </a:ext>
             </a:extLst>
           </p:cNvPr>
@@ -25418,7 +25861,7 @@
                 <a16:creationId xmlns:a16="http://schemas.microsoft.com/office/drawing/2014/main" id="{840177A7-740C-43C7-8F2D-BD7067F12C9C}"/>
               </a:ext>
               <a:ext uri="{C183D7F6-B498-43B3-948B-1728B52AA6E4}">
-                <adec:decorative xmlns:adec="http://schemas.microsoft.com/office/drawing/2017/decorative" xmlns="" val="1"/>
+                <adec:decorative xmlns="" xmlns:adec="http://schemas.microsoft.com/office/drawing/2017/decorative" val="1"/>
               </a:ext>
             </a:extLst>
           </p:cNvPr>
@@ -25520,7 +25963,7 @@
                 <a16:creationId xmlns:a16="http://schemas.microsoft.com/office/drawing/2014/main" id="{FF525AAA-82CE-4027-A26C-B0EFFD856F2E}"/>
               </a:ext>
               <a:ext uri="{C183D7F6-B498-43B3-948B-1728B52AA6E4}">
-                <adec:decorative xmlns:adec="http://schemas.microsoft.com/office/drawing/2017/decorative" xmlns="" val="1"/>
+                <adec:decorative xmlns="" xmlns:adec="http://schemas.microsoft.com/office/drawing/2017/decorative" val="1"/>
               </a:ext>
             </a:extLst>
           </p:cNvPr>
@@ -26335,7 +26778,7 @@
           <p:nvPr>
             <p:extLst>
               <p:ext uri="{D42A27DB-BD31-4B8C-83A1-F6EECF244321}">
-                <p14:modId xmlns:p14="http://schemas.microsoft.com/office/powerpoint/2010/main" val="677490234"/>
+                <p14:modId xmlns:p14="http://schemas.microsoft.com/office/powerpoint/2010/main" val="2117959268"/>
               </p:ext>
             </p:extLst>
           </p:nvPr>
@@ -35411,20 +35854,20 @@
 </file>
 
 <file path=customXml/item2.xml><?xml version="1.0" encoding="utf-8"?>
-<p:properties xmlns:p="http://schemas.microsoft.com/office/2006/metadata/properties" xmlns:xsi="http://www.w3.org/2001/XMLSchema-instance" xmlns:pc="http://schemas.microsoft.com/office/infopath/2007/PartnerControls">
-  <documentManagement>
-    <MediaServiceKeyPoints xmlns="71af3243-3dd4-4a8d-8c0d-dd76da1f02a5" xsi:nil="true"/>
-  </documentManagement>
-</p:properties>
-</file>
-
-<file path=customXml/item3.xml><?xml version="1.0" encoding="utf-8"?>
 <?mso-contentType ?>
 <FormTemplates xmlns="http://schemas.microsoft.com/sharepoint/v3/contenttype/forms">
   <Display>DocumentLibraryForm</Display>
   <Edit>DocumentLibraryForm</Edit>
   <New>DocumentLibraryForm</New>
 </FormTemplates>
+</file>
+
+<file path=customXml/item3.xml><?xml version="1.0" encoding="utf-8"?>
+<p:properties xmlns:p="http://schemas.microsoft.com/office/2006/metadata/properties" xmlns:xsi="http://www.w3.org/2001/XMLSchema-instance" xmlns:pc="http://schemas.microsoft.com/office/infopath/2007/PartnerControls">
+  <documentManagement>
+    <MediaServiceKeyPoints xmlns="71af3243-3dd4-4a8d-8c0d-dd76da1f02a5" xsi:nil="true"/>
+  </documentManagement>
+</p:properties>
 </file>
 
 <file path=customXml/itemProps1.xml><?xml version="1.0" encoding="utf-8"?>
@@ -35447,6 +35890,14 @@
 </file>
 
 <file path=customXml/itemProps2.xml><?xml version="1.0" encoding="utf-8"?>
+<ds:datastoreItem xmlns:ds="http://schemas.openxmlformats.org/officeDocument/2006/customXml" ds:itemID="{10BEB954-4024-4CCF-A9D6-4C00FDC028D9}">
+  <ds:schemaRefs>
+    <ds:schemaRef ds:uri="http://schemas.microsoft.com/sharepoint/v3/contenttype/forms"/>
+  </ds:schemaRefs>
+</ds:datastoreItem>
+</file>
+
+<file path=customXml/itemProps3.xml><?xml version="1.0" encoding="utf-8"?>
 <ds:datastoreItem xmlns:ds="http://schemas.openxmlformats.org/officeDocument/2006/customXml" ds:itemID="{4710EE66-8707-456F-8F2E-091D581CB030}">
   <ds:schemaRefs>
     <ds:schemaRef ds:uri="http://schemas.microsoft.com/office/2006/metadata/properties"/>
@@ -35454,12 +35905,4 @@
     <ds:schemaRef ds:uri="71af3243-3dd4-4a8d-8c0d-dd76da1f02a5"/>
   </ds:schemaRefs>
 </ds:datastoreItem>
-</file>
-
-<file path=customXml/itemProps3.xml><?xml version="1.0" encoding="utf-8"?>
-<ds:datastoreItem xmlns:ds="http://schemas.openxmlformats.org/officeDocument/2006/customXml" ds:itemID="{10BEB954-4024-4CCF-A9D6-4C00FDC028D9}">
-  <ds:schemaRefs>
-    <ds:schemaRef ds:uri="http://schemas.microsoft.com/sharepoint/v3/contenttype/forms"/>
-  </ds:schemaRefs>
-</ds:datastoreItem>
 </file>